--- a/ppt 16-9/1219.新年赞歌.pptx
+++ b/ppt 16-9/1219.新年赞歌.pptx
@@ -129,7 +129,7 @@
           <p:cNvPr id="2" name="标题 1">
             <a:extLst>
               <a:ext uri="{FF2B5EF4-FFF2-40B4-BE49-F238E27FC236}">
-                <a16:creationId xmlns:a16="http://schemas.microsoft.com/office/drawing/2014/main" id="{9C794C05-D1F6-4D89-E5BA-291D9395EF82}"/>
+                <a16:creationId xmlns:a16="http://schemas.microsoft.com/office/drawing/2014/main" id="{D738544A-0DA3-1744-228A-C5C0C7188E71}"/>
               </a:ext>
             </a:extLst>
           </p:cNvPr>
@@ -166,7 +166,7 @@
           <p:cNvPr id="3" name="副标题 2">
             <a:extLst>
               <a:ext uri="{FF2B5EF4-FFF2-40B4-BE49-F238E27FC236}">
-                <a16:creationId xmlns:a16="http://schemas.microsoft.com/office/drawing/2014/main" id="{6E07556B-6A14-39AA-C05D-40CE65096F11}"/>
+                <a16:creationId xmlns:a16="http://schemas.microsoft.com/office/drawing/2014/main" id="{54791AFA-97A8-54D9-F2A2-E70CFB20F455}"/>
               </a:ext>
             </a:extLst>
           </p:cNvPr>
@@ -236,7 +236,7 @@
           <p:cNvPr id="4" name="日期占位符 3">
             <a:extLst>
               <a:ext uri="{FF2B5EF4-FFF2-40B4-BE49-F238E27FC236}">
-                <a16:creationId xmlns:a16="http://schemas.microsoft.com/office/drawing/2014/main" id="{E06EE4CA-E71E-60E7-CF15-EDC75DC1DCE4}"/>
+                <a16:creationId xmlns:a16="http://schemas.microsoft.com/office/drawing/2014/main" id="{0D9802D8-6EB4-23F5-FDCC-A7E256451DF5}"/>
               </a:ext>
             </a:extLst>
           </p:cNvPr>
@@ -252,7 +252,7 @@
           <a:bodyPr/>
           <a:lstStyle/>
           <a:p>
-            <a:fld id="{8BADB7EA-7F0F-48C3-8591-72DE03FA1D99}" type="datetimeFigureOut">
+            <a:fld id="{83B76777-44D6-4A57-B7F1-D4F173643C39}" type="datetimeFigureOut">
               <a:rPr lang="zh-CN" altLang="en-US" smtClean="0"/>
               <a:t>2024/3/10</a:t>
             </a:fld>
@@ -265,7 +265,7 @@
           <p:cNvPr id="5" name="页脚占位符 4">
             <a:extLst>
               <a:ext uri="{FF2B5EF4-FFF2-40B4-BE49-F238E27FC236}">
-                <a16:creationId xmlns:a16="http://schemas.microsoft.com/office/drawing/2014/main" id="{39305121-F290-0C2F-A344-0A81CB265CCB}"/>
+                <a16:creationId xmlns:a16="http://schemas.microsoft.com/office/drawing/2014/main" id="{1894523D-1A48-2CCA-9BBB-42E56BF7E2EB}"/>
               </a:ext>
             </a:extLst>
           </p:cNvPr>
@@ -290,7 +290,7 @@
           <p:cNvPr id="6" name="灯片编号占位符 5">
             <a:extLst>
               <a:ext uri="{FF2B5EF4-FFF2-40B4-BE49-F238E27FC236}">
-                <a16:creationId xmlns:a16="http://schemas.microsoft.com/office/drawing/2014/main" id="{1B715752-22FF-594B-9F7C-DFCF22685C5C}"/>
+                <a16:creationId xmlns:a16="http://schemas.microsoft.com/office/drawing/2014/main" id="{A680B0A8-CE22-813A-13BC-E04A3F4CCC26}"/>
               </a:ext>
             </a:extLst>
           </p:cNvPr>
@@ -306,7 +306,7 @@
           <a:bodyPr/>
           <a:lstStyle/>
           <a:p>
-            <a:fld id="{9262B536-C1D4-4FB5-B1A8-096C564B7ED9}" type="slidenum">
+            <a:fld id="{47CDBE77-1CC2-4B6C-9EC9-A925F5559ABD}" type="slidenum">
               <a:rPr lang="zh-CN" altLang="en-US" smtClean="0"/>
               <a:t>‹#›</a:t>
             </a:fld>
@@ -317,7 +317,7 @@
     </p:spTree>
     <p:extLst>
       <p:ext uri="{BB962C8B-B14F-4D97-AF65-F5344CB8AC3E}">
-        <p14:creationId xmlns:p14="http://schemas.microsoft.com/office/powerpoint/2010/main" val="233579033"/>
+        <p14:creationId xmlns:p14="http://schemas.microsoft.com/office/powerpoint/2010/main" val="1411852727"/>
       </p:ext>
     </p:extLst>
   </p:cSld>
@@ -349,7 +349,7 @@
           <p:cNvPr id="2" name="标题 1">
             <a:extLst>
               <a:ext uri="{FF2B5EF4-FFF2-40B4-BE49-F238E27FC236}">
-                <a16:creationId xmlns:a16="http://schemas.microsoft.com/office/drawing/2014/main" id="{DA5F1F9F-788A-86C6-7CA6-BE57C4C8FE57}"/>
+                <a16:creationId xmlns:a16="http://schemas.microsoft.com/office/drawing/2014/main" id="{461D6033-8FCC-D154-538D-509FEFD93B92}"/>
               </a:ext>
             </a:extLst>
           </p:cNvPr>
@@ -377,7 +377,7 @@
           <p:cNvPr id="3" name="竖排文字占位符 2">
             <a:extLst>
               <a:ext uri="{FF2B5EF4-FFF2-40B4-BE49-F238E27FC236}">
-                <a16:creationId xmlns:a16="http://schemas.microsoft.com/office/drawing/2014/main" id="{D3414DCF-0B42-5BE5-CB25-C7C3F52C9494}"/>
+                <a16:creationId xmlns:a16="http://schemas.microsoft.com/office/drawing/2014/main" id="{AB3C2007-086F-F268-A907-697EE9548110}"/>
               </a:ext>
             </a:extLst>
           </p:cNvPr>
@@ -434,7 +434,7 @@
           <p:cNvPr id="4" name="日期占位符 3">
             <a:extLst>
               <a:ext uri="{FF2B5EF4-FFF2-40B4-BE49-F238E27FC236}">
-                <a16:creationId xmlns:a16="http://schemas.microsoft.com/office/drawing/2014/main" id="{AFB936E5-1E9B-F18E-E358-1CF73CD919B1}"/>
+                <a16:creationId xmlns:a16="http://schemas.microsoft.com/office/drawing/2014/main" id="{9555EBED-55B8-A026-C19C-1C37133F054F}"/>
               </a:ext>
             </a:extLst>
           </p:cNvPr>
@@ -450,7 +450,7 @@
           <a:bodyPr/>
           <a:lstStyle/>
           <a:p>
-            <a:fld id="{8BADB7EA-7F0F-48C3-8591-72DE03FA1D99}" type="datetimeFigureOut">
+            <a:fld id="{83B76777-44D6-4A57-B7F1-D4F173643C39}" type="datetimeFigureOut">
               <a:rPr lang="zh-CN" altLang="en-US" smtClean="0"/>
               <a:t>2024/3/10</a:t>
             </a:fld>
@@ -463,7 +463,7 @@
           <p:cNvPr id="5" name="页脚占位符 4">
             <a:extLst>
               <a:ext uri="{FF2B5EF4-FFF2-40B4-BE49-F238E27FC236}">
-                <a16:creationId xmlns:a16="http://schemas.microsoft.com/office/drawing/2014/main" id="{311CE3B7-F6EC-58DB-94BA-8546E3DE1083}"/>
+                <a16:creationId xmlns:a16="http://schemas.microsoft.com/office/drawing/2014/main" id="{99140C17-868B-D3F0-BA06-EBCC216326F9}"/>
               </a:ext>
             </a:extLst>
           </p:cNvPr>
@@ -488,7 +488,7 @@
           <p:cNvPr id="6" name="灯片编号占位符 5">
             <a:extLst>
               <a:ext uri="{FF2B5EF4-FFF2-40B4-BE49-F238E27FC236}">
-                <a16:creationId xmlns:a16="http://schemas.microsoft.com/office/drawing/2014/main" id="{D2892E0C-EF54-3782-F580-C6A3CC9B3908}"/>
+                <a16:creationId xmlns:a16="http://schemas.microsoft.com/office/drawing/2014/main" id="{94578189-8B6B-3FC6-654C-258E9271C2F3}"/>
               </a:ext>
             </a:extLst>
           </p:cNvPr>
@@ -504,7 +504,7 @@
           <a:bodyPr/>
           <a:lstStyle/>
           <a:p>
-            <a:fld id="{9262B536-C1D4-4FB5-B1A8-096C564B7ED9}" type="slidenum">
+            <a:fld id="{47CDBE77-1CC2-4B6C-9EC9-A925F5559ABD}" type="slidenum">
               <a:rPr lang="zh-CN" altLang="en-US" smtClean="0"/>
               <a:t>‹#›</a:t>
             </a:fld>
@@ -515,7 +515,7 @@
     </p:spTree>
     <p:extLst>
       <p:ext uri="{BB962C8B-B14F-4D97-AF65-F5344CB8AC3E}">
-        <p14:creationId xmlns:p14="http://schemas.microsoft.com/office/powerpoint/2010/main" val="3784356930"/>
+        <p14:creationId xmlns:p14="http://schemas.microsoft.com/office/powerpoint/2010/main" val="2731414424"/>
       </p:ext>
     </p:extLst>
   </p:cSld>
@@ -547,7 +547,7 @@
           <p:cNvPr id="2" name="竖排标题 1">
             <a:extLst>
               <a:ext uri="{FF2B5EF4-FFF2-40B4-BE49-F238E27FC236}">
-                <a16:creationId xmlns:a16="http://schemas.microsoft.com/office/drawing/2014/main" id="{4581EE30-47D8-3372-20FA-95435E96B955}"/>
+                <a16:creationId xmlns:a16="http://schemas.microsoft.com/office/drawing/2014/main" id="{029A1221-6EBB-657B-2164-FE4EE22EB874}"/>
               </a:ext>
             </a:extLst>
           </p:cNvPr>
@@ -580,7 +580,7 @@
           <p:cNvPr id="3" name="竖排文字占位符 2">
             <a:extLst>
               <a:ext uri="{FF2B5EF4-FFF2-40B4-BE49-F238E27FC236}">
-                <a16:creationId xmlns:a16="http://schemas.microsoft.com/office/drawing/2014/main" id="{DDB19939-479B-E13A-F038-BD365407E07F}"/>
+                <a16:creationId xmlns:a16="http://schemas.microsoft.com/office/drawing/2014/main" id="{BD5A1E2D-1F56-E5B3-9054-EC117C56A1AD}"/>
               </a:ext>
             </a:extLst>
           </p:cNvPr>
@@ -642,7 +642,7 @@
           <p:cNvPr id="4" name="日期占位符 3">
             <a:extLst>
               <a:ext uri="{FF2B5EF4-FFF2-40B4-BE49-F238E27FC236}">
-                <a16:creationId xmlns:a16="http://schemas.microsoft.com/office/drawing/2014/main" id="{E84379C7-4376-AEC3-0721-BE529CC54742}"/>
+                <a16:creationId xmlns:a16="http://schemas.microsoft.com/office/drawing/2014/main" id="{318EC11F-9404-8781-054B-4C297C37ED13}"/>
               </a:ext>
             </a:extLst>
           </p:cNvPr>
@@ -658,7 +658,7 @@
           <a:bodyPr/>
           <a:lstStyle/>
           <a:p>
-            <a:fld id="{8BADB7EA-7F0F-48C3-8591-72DE03FA1D99}" type="datetimeFigureOut">
+            <a:fld id="{83B76777-44D6-4A57-B7F1-D4F173643C39}" type="datetimeFigureOut">
               <a:rPr lang="zh-CN" altLang="en-US" smtClean="0"/>
               <a:t>2024/3/10</a:t>
             </a:fld>
@@ -671,7 +671,7 @@
           <p:cNvPr id="5" name="页脚占位符 4">
             <a:extLst>
               <a:ext uri="{FF2B5EF4-FFF2-40B4-BE49-F238E27FC236}">
-                <a16:creationId xmlns:a16="http://schemas.microsoft.com/office/drawing/2014/main" id="{9489639F-8334-F3C6-A8B0-399B9C97ADCA}"/>
+                <a16:creationId xmlns:a16="http://schemas.microsoft.com/office/drawing/2014/main" id="{179C5C53-F5A7-C29F-1DE8-695AD51ED114}"/>
               </a:ext>
             </a:extLst>
           </p:cNvPr>
@@ -696,7 +696,7 @@
           <p:cNvPr id="6" name="灯片编号占位符 5">
             <a:extLst>
               <a:ext uri="{FF2B5EF4-FFF2-40B4-BE49-F238E27FC236}">
-                <a16:creationId xmlns:a16="http://schemas.microsoft.com/office/drawing/2014/main" id="{58EB657B-EB03-CBE1-F6FD-166D4281B137}"/>
+                <a16:creationId xmlns:a16="http://schemas.microsoft.com/office/drawing/2014/main" id="{A901C5D2-9D34-F4B5-6124-5D20510159C6}"/>
               </a:ext>
             </a:extLst>
           </p:cNvPr>
@@ -712,7 +712,7 @@
           <a:bodyPr/>
           <a:lstStyle/>
           <a:p>
-            <a:fld id="{9262B536-C1D4-4FB5-B1A8-096C564B7ED9}" type="slidenum">
+            <a:fld id="{47CDBE77-1CC2-4B6C-9EC9-A925F5559ABD}" type="slidenum">
               <a:rPr lang="zh-CN" altLang="en-US" smtClean="0"/>
               <a:t>‹#›</a:t>
             </a:fld>
@@ -723,7 +723,7 @@
     </p:spTree>
     <p:extLst>
       <p:ext uri="{BB962C8B-B14F-4D97-AF65-F5344CB8AC3E}">
-        <p14:creationId xmlns:p14="http://schemas.microsoft.com/office/powerpoint/2010/main" val="83728342"/>
+        <p14:creationId xmlns:p14="http://schemas.microsoft.com/office/powerpoint/2010/main" val="268927315"/>
       </p:ext>
     </p:extLst>
   </p:cSld>
@@ -755,7 +755,7 @@
           <p:cNvPr id="2" name="标题 1">
             <a:extLst>
               <a:ext uri="{FF2B5EF4-FFF2-40B4-BE49-F238E27FC236}">
-                <a16:creationId xmlns:a16="http://schemas.microsoft.com/office/drawing/2014/main" id="{9451D41E-0038-AF63-91BB-FC43D423662C}"/>
+                <a16:creationId xmlns:a16="http://schemas.microsoft.com/office/drawing/2014/main" id="{49454BE9-6D7B-9548-464B-1D8CAB50748A}"/>
               </a:ext>
             </a:extLst>
           </p:cNvPr>
@@ -783,7 +783,7 @@
           <p:cNvPr id="3" name="内容占位符 2">
             <a:extLst>
               <a:ext uri="{FF2B5EF4-FFF2-40B4-BE49-F238E27FC236}">
-                <a16:creationId xmlns:a16="http://schemas.microsoft.com/office/drawing/2014/main" id="{275BDDCA-61D0-2E4F-FE9C-A18F44D8F953}"/>
+                <a16:creationId xmlns:a16="http://schemas.microsoft.com/office/drawing/2014/main" id="{CB33920A-60E9-7BA0-9F41-91381BDF5CC4}"/>
               </a:ext>
             </a:extLst>
           </p:cNvPr>
@@ -840,7 +840,7 @@
           <p:cNvPr id="4" name="日期占位符 3">
             <a:extLst>
               <a:ext uri="{FF2B5EF4-FFF2-40B4-BE49-F238E27FC236}">
-                <a16:creationId xmlns:a16="http://schemas.microsoft.com/office/drawing/2014/main" id="{7ACD2D50-ACAC-EE66-7C30-FD6BAEC7A952}"/>
+                <a16:creationId xmlns:a16="http://schemas.microsoft.com/office/drawing/2014/main" id="{EA0854B5-11DD-6811-CC7A-2407E4A7CEA3}"/>
               </a:ext>
             </a:extLst>
           </p:cNvPr>
@@ -856,7 +856,7 @@
           <a:bodyPr/>
           <a:lstStyle/>
           <a:p>
-            <a:fld id="{8BADB7EA-7F0F-48C3-8591-72DE03FA1D99}" type="datetimeFigureOut">
+            <a:fld id="{83B76777-44D6-4A57-B7F1-D4F173643C39}" type="datetimeFigureOut">
               <a:rPr lang="zh-CN" altLang="en-US" smtClean="0"/>
               <a:t>2024/3/10</a:t>
             </a:fld>
@@ -869,7 +869,7 @@
           <p:cNvPr id="5" name="页脚占位符 4">
             <a:extLst>
               <a:ext uri="{FF2B5EF4-FFF2-40B4-BE49-F238E27FC236}">
-                <a16:creationId xmlns:a16="http://schemas.microsoft.com/office/drawing/2014/main" id="{03E2B38B-54C8-B1A9-6855-2C52F7F86572}"/>
+                <a16:creationId xmlns:a16="http://schemas.microsoft.com/office/drawing/2014/main" id="{08008670-195F-B29F-36AE-D7FDA234EF76}"/>
               </a:ext>
             </a:extLst>
           </p:cNvPr>
@@ -894,7 +894,7 @@
           <p:cNvPr id="6" name="灯片编号占位符 5">
             <a:extLst>
               <a:ext uri="{FF2B5EF4-FFF2-40B4-BE49-F238E27FC236}">
-                <a16:creationId xmlns:a16="http://schemas.microsoft.com/office/drawing/2014/main" id="{D8D35BCA-16EC-4056-C0B8-FDB7F84278F9}"/>
+                <a16:creationId xmlns:a16="http://schemas.microsoft.com/office/drawing/2014/main" id="{4DC81CAE-6C88-6A83-F136-B8D3FF7E072B}"/>
               </a:ext>
             </a:extLst>
           </p:cNvPr>
@@ -910,7 +910,7 @@
           <a:bodyPr/>
           <a:lstStyle/>
           <a:p>
-            <a:fld id="{9262B536-C1D4-4FB5-B1A8-096C564B7ED9}" type="slidenum">
+            <a:fld id="{47CDBE77-1CC2-4B6C-9EC9-A925F5559ABD}" type="slidenum">
               <a:rPr lang="zh-CN" altLang="en-US" smtClean="0"/>
               <a:t>‹#›</a:t>
             </a:fld>
@@ -921,7 +921,7 @@
     </p:spTree>
     <p:extLst>
       <p:ext uri="{BB962C8B-B14F-4D97-AF65-F5344CB8AC3E}">
-        <p14:creationId xmlns:p14="http://schemas.microsoft.com/office/powerpoint/2010/main" val="3099256170"/>
+        <p14:creationId xmlns:p14="http://schemas.microsoft.com/office/powerpoint/2010/main" val="940637748"/>
       </p:ext>
     </p:extLst>
   </p:cSld>
@@ -953,7 +953,7 @@
           <p:cNvPr id="2" name="标题 1">
             <a:extLst>
               <a:ext uri="{FF2B5EF4-FFF2-40B4-BE49-F238E27FC236}">
-                <a16:creationId xmlns:a16="http://schemas.microsoft.com/office/drawing/2014/main" id="{E8B7166C-E400-4780-2C12-AFDF1831236C}"/>
+                <a16:creationId xmlns:a16="http://schemas.microsoft.com/office/drawing/2014/main" id="{E48F36C2-CD43-A47E-C265-4FF9FB77DA4F}"/>
               </a:ext>
             </a:extLst>
           </p:cNvPr>
@@ -990,7 +990,7 @@
           <p:cNvPr id="3" name="文本占位符 2">
             <a:extLst>
               <a:ext uri="{FF2B5EF4-FFF2-40B4-BE49-F238E27FC236}">
-                <a16:creationId xmlns:a16="http://schemas.microsoft.com/office/drawing/2014/main" id="{9B500C6A-91A6-2422-9095-EDBBEEE03CC5}"/>
+                <a16:creationId xmlns:a16="http://schemas.microsoft.com/office/drawing/2014/main" id="{04A27AE5-C267-5A7A-0E2F-25A4016582F5}"/>
               </a:ext>
             </a:extLst>
           </p:cNvPr>
@@ -1115,7 +1115,7 @@
           <p:cNvPr id="4" name="日期占位符 3">
             <a:extLst>
               <a:ext uri="{FF2B5EF4-FFF2-40B4-BE49-F238E27FC236}">
-                <a16:creationId xmlns:a16="http://schemas.microsoft.com/office/drawing/2014/main" id="{5690E8E6-3C7E-E37A-D827-F3CD8BD8E23D}"/>
+                <a16:creationId xmlns:a16="http://schemas.microsoft.com/office/drawing/2014/main" id="{6F790B61-1F7E-0F62-8998-D66702B3D26A}"/>
               </a:ext>
             </a:extLst>
           </p:cNvPr>
@@ -1131,7 +1131,7 @@
           <a:bodyPr/>
           <a:lstStyle/>
           <a:p>
-            <a:fld id="{8BADB7EA-7F0F-48C3-8591-72DE03FA1D99}" type="datetimeFigureOut">
+            <a:fld id="{83B76777-44D6-4A57-B7F1-D4F173643C39}" type="datetimeFigureOut">
               <a:rPr lang="zh-CN" altLang="en-US" smtClean="0"/>
               <a:t>2024/3/10</a:t>
             </a:fld>
@@ -1144,7 +1144,7 @@
           <p:cNvPr id="5" name="页脚占位符 4">
             <a:extLst>
               <a:ext uri="{FF2B5EF4-FFF2-40B4-BE49-F238E27FC236}">
-                <a16:creationId xmlns:a16="http://schemas.microsoft.com/office/drawing/2014/main" id="{44294953-60B8-413C-86FA-02719214CD0D}"/>
+                <a16:creationId xmlns:a16="http://schemas.microsoft.com/office/drawing/2014/main" id="{0E852E60-4A9F-CE66-9198-D49BDF8C4BB5}"/>
               </a:ext>
             </a:extLst>
           </p:cNvPr>
@@ -1169,7 +1169,7 @@
           <p:cNvPr id="6" name="灯片编号占位符 5">
             <a:extLst>
               <a:ext uri="{FF2B5EF4-FFF2-40B4-BE49-F238E27FC236}">
-                <a16:creationId xmlns:a16="http://schemas.microsoft.com/office/drawing/2014/main" id="{62A23094-A3B0-2872-ECDD-6FD332586A7E}"/>
+                <a16:creationId xmlns:a16="http://schemas.microsoft.com/office/drawing/2014/main" id="{0915912B-115D-D09E-8A3B-F4AD3AF04D77}"/>
               </a:ext>
             </a:extLst>
           </p:cNvPr>
@@ -1185,7 +1185,7 @@
           <a:bodyPr/>
           <a:lstStyle/>
           <a:p>
-            <a:fld id="{9262B536-C1D4-4FB5-B1A8-096C564B7ED9}" type="slidenum">
+            <a:fld id="{47CDBE77-1CC2-4B6C-9EC9-A925F5559ABD}" type="slidenum">
               <a:rPr lang="zh-CN" altLang="en-US" smtClean="0"/>
               <a:t>‹#›</a:t>
             </a:fld>
@@ -1196,7 +1196,7 @@
     </p:spTree>
     <p:extLst>
       <p:ext uri="{BB962C8B-B14F-4D97-AF65-F5344CB8AC3E}">
-        <p14:creationId xmlns:p14="http://schemas.microsoft.com/office/powerpoint/2010/main" val="2084484067"/>
+        <p14:creationId xmlns:p14="http://schemas.microsoft.com/office/powerpoint/2010/main" val="1851362340"/>
       </p:ext>
     </p:extLst>
   </p:cSld>
@@ -1228,7 +1228,7 @@
           <p:cNvPr id="2" name="标题 1">
             <a:extLst>
               <a:ext uri="{FF2B5EF4-FFF2-40B4-BE49-F238E27FC236}">
-                <a16:creationId xmlns:a16="http://schemas.microsoft.com/office/drawing/2014/main" id="{74CD7987-3B85-3499-4496-33DE9AC0B140}"/>
+                <a16:creationId xmlns:a16="http://schemas.microsoft.com/office/drawing/2014/main" id="{D2F15C2E-20E3-0682-A5DE-C32F73C6D075}"/>
               </a:ext>
             </a:extLst>
           </p:cNvPr>
@@ -1256,7 +1256,7 @@
           <p:cNvPr id="3" name="内容占位符 2">
             <a:extLst>
               <a:ext uri="{FF2B5EF4-FFF2-40B4-BE49-F238E27FC236}">
-                <a16:creationId xmlns:a16="http://schemas.microsoft.com/office/drawing/2014/main" id="{F5AA420E-A1C8-F9C6-3C8D-9C2C86ED49D7}"/>
+                <a16:creationId xmlns:a16="http://schemas.microsoft.com/office/drawing/2014/main" id="{BD38CA01-AB7A-0BC9-56E2-ED70E35B90D4}"/>
               </a:ext>
             </a:extLst>
           </p:cNvPr>
@@ -1318,7 +1318,7 @@
           <p:cNvPr id="4" name="内容占位符 3">
             <a:extLst>
               <a:ext uri="{FF2B5EF4-FFF2-40B4-BE49-F238E27FC236}">
-                <a16:creationId xmlns:a16="http://schemas.microsoft.com/office/drawing/2014/main" id="{60225743-C6D1-05F3-CD28-27BC57BC00CC}"/>
+                <a16:creationId xmlns:a16="http://schemas.microsoft.com/office/drawing/2014/main" id="{5D355544-34DC-02AC-9261-2C81C92F84AD}"/>
               </a:ext>
             </a:extLst>
           </p:cNvPr>
@@ -1380,7 +1380,7 @@
           <p:cNvPr id="5" name="日期占位符 4">
             <a:extLst>
               <a:ext uri="{FF2B5EF4-FFF2-40B4-BE49-F238E27FC236}">
-                <a16:creationId xmlns:a16="http://schemas.microsoft.com/office/drawing/2014/main" id="{E8448503-1AC7-DDF8-4041-77B287B5B086}"/>
+                <a16:creationId xmlns:a16="http://schemas.microsoft.com/office/drawing/2014/main" id="{DE715145-E03D-BDFB-0DA3-BF0A82BB354D}"/>
               </a:ext>
             </a:extLst>
           </p:cNvPr>
@@ -1396,7 +1396,7 @@
           <a:bodyPr/>
           <a:lstStyle/>
           <a:p>
-            <a:fld id="{8BADB7EA-7F0F-48C3-8591-72DE03FA1D99}" type="datetimeFigureOut">
+            <a:fld id="{83B76777-44D6-4A57-B7F1-D4F173643C39}" type="datetimeFigureOut">
               <a:rPr lang="zh-CN" altLang="en-US" smtClean="0"/>
               <a:t>2024/3/10</a:t>
             </a:fld>
@@ -1409,7 +1409,7 @@
           <p:cNvPr id="6" name="页脚占位符 5">
             <a:extLst>
               <a:ext uri="{FF2B5EF4-FFF2-40B4-BE49-F238E27FC236}">
-                <a16:creationId xmlns:a16="http://schemas.microsoft.com/office/drawing/2014/main" id="{DC2E51DE-6549-9025-FC37-CDF1AC93ED83}"/>
+                <a16:creationId xmlns:a16="http://schemas.microsoft.com/office/drawing/2014/main" id="{70C91303-71A9-A2C5-0074-4BD3DE6C68FF}"/>
               </a:ext>
             </a:extLst>
           </p:cNvPr>
@@ -1434,7 +1434,7 @@
           <p:cNvPr id="7" name="灯片编号占位符 6">
             <a:extLst>
               <a:ext uri="{FF2B5EF4-FFF2-40B4-BE49-F238E27FC236}">
-                <a16:creationId xmlns:a16="http://schemas.microsoft.com/office/drawing/2014/main" id="{D71C3603-E5DC-2E1A-325B-3F49B49A4EB0}"/>
+                <a16:creationId xmlns:a16="http://schemas.microsoft.com/office/drawing/2014/main" id="{99C18045-EBC1-2F00-2D7E-88423BE53E44}"/>
               </a:ext>
             </a:extLst>
           </p:cNvPr>
@@ -1450,7 +1450,7 @@
           <a:bodyPr/>
           <a:lstStyle/>
           <a:p>
-            <a:fld id="{9262B536-C1D4-4FB5-B1A8-096C564B7ED9}" type="slidenum">
+            <a:fld id="{47CDBE77-1CC2-4B6C-9EC9-A925F5559ABD}" type="slidenum">
               <a:rPr lang="zh-CN" altLang="en-US" smtClean="0"/>
               <a:t>‹#›</a:t>
             </a:fld>
@@ -1461,7 +1461,7 @@
     </p:spTree>
     <p:extLst>
       <p:ext uri="{BB962C8B-B14F-4D97-AF65-F5344CB8AC3E}">
-        <p14:creationId xmlns:p14="http://schemas.microsoft.com/office/powerpoint/2010/main" val="3536784910"/>
+        <p14:creationId xmlns:p14="http://schemas.microsoft.com/office/powerpoint/2010/main" val="4174808955"/>
       </p:ext>
     </p:extLst>
   </p:cSld>
@@ -1493,7 +1493,7 @@
           <p:cNvPr id="2" name="标题 1">
             <a:extLst>
               <a:ext uri="{FF2B5EF4-FFF2-40B4-BE49-F238E27FC236}">
-                <a16:creationId xmlns:a16="http://schemas.microsoft.com/office/drawing/2014/main" id="{11D46418-38DA-A992-DFE7-A83C3C5B1C29}"/>
+                <a16:creationId xmlns:a16="http://schemas.microsoft.com/office/drawing/2014/main" id="{33BA1962-FC97-8BCC-9B3B-5DA21F4CFD87}"/>
               </a:ext>
             </a:extLst>
           </p:cNvPr>
@@ -1526,7 +1526,7 @@
           <p:cNvPr id="3" name="文本占位符 2">
             <a:extLst>
               <a:ext uri="{FF2B5EF4-FFF2-40B4-BE49-F238E27FC236}">
-                <a16:creationId xmlns:a16="http://schemas.microsoft.com/office/drawing/2014/main" id="{6E46D8A1-7CF6-11F4-3AA6-BC491A76AACC}"/>
+                <a16:creationId xmlns:a16="http://schemas.microsoft.com/office/drawing/2014/main" id="{0BCC5028-65ED-C41A-9708-2921913B13D9}"/>
               </a:ext>
             </a:extLst>
           </p:cNvPr>
@@ -1597,7 +1597,7 @@
           <p:cNvPr id="4" name="内容占位符 3">
             <a:extLst>
               <a:ext uri="{FF2B5EF4-FFF2-40B4-BE49-F238E27FC236}">
-                <a16:creationId xmlns:a16="http://schemas.microsoft.com/office/drawing/2014/main" id="{7AA0634A-65F3-3C2B-92A3-592943AA8B42}"/>
+                <a16:creationId xmlns:a16="http://schemas.microsoft.com/office/drawing/2014/main" id="{262048ED-DD54-C50F-FB9B-1567D358647D}"/>
               </a:ext>
             </a:extLst>
           </p:cNvPr>
@@ -1659,7 +1659,7 @@
           <p:cNvPr id="5" name="文本占位符 4">
             <a:extLst>
               <a:ext uri="{FF2B5EF4-FFF2-40B4-BE49-F238E27FC236}">
-                <a16:creationId xmlns:a16="http://schemas.microsoft.com/office/drawing/2014/main" id="{6422D667-3335-94A8-380D-B23251E8BB54}"/>
+                <a16:creationId xmlns:a16="http://schemas.microsoft.com/office/drawing/2014/main" id="{48AFC7F9-7CB8-99DD-325F-902B608ACA20}"/>
               </a:ext>
             </a:extLst>
           </p:cNvPr>
@@ -1730,7 +1730,7 @@
           <p:cNvPr id="6" name="内容占位符 5">
             <a:extLst>
               <a:ext uri="{FF2B5EF4-FFF2-40B4-BE49-F238E27FC236}">
-                <a16:creationId xmlns:a16="http://schemas.microsoft.com/office/drawing/2014/main" id="{B096D142-43E8-FB4F-FD38-5622F126B5BB}"/>
+                <a16:creationId xmlns:a16="http://schemas.microsoft.com/office/drawing/2014/main" id="{131BE54A-B900-16A6-C4B4-FB656E2D10CF}"/>
               </a:ext>
             </a:extLst>
           </p:cNvPr>
@@ -1792,7 +1792,7 @@
           <p:cNvPr id="7" name="日期占位符 6">
             <a:extLst>
               <a:ext uri="{FF2B5EF4-FFF2-40B4-BE49-F238E27FC236}">
-                <a16:creationId xmlns:a16="http://schemas.microsoft.com/office/drawing/2014/main" id="{2C820BF9-CE95-1C78-3BE9-6D45D5B9EA86}"/>
+                <a16:creationId xmlns:a16="http://schemas.microsoft.com/office/drawing/2014/main" id="{38FDAE05-533C-3581-F274-B6BD171D1A38}"/>
               </a:ext>
             </a:extLst>
           </p:cNvPr>
@@ -1808,7 +1808,7 @@
           <a:bodyPr/>
           <a:lstStyle/>
           <a:p>
-            <a:fld id="{8BADB7EA-7F0F-48C3-8591-72DE03FA1D99}" type="datetimeFigureOut">
+            <a:fld id="{83B76777-44D6-4A57-B7F1-D4F173643C39}" type="datetimeFigureOut">
               <a:rPr lang="zh-CN" altLang="en-US" smtClean="0"/>
               <a:t>2024/3/10</a:t>
             </a:fld>
@@ -1821,7 +1821,7 @@
           <p:cNvPr id="8" name="页脚占位符 7">
             <a:extLst>
               <a:ext uri="{FF2B5EF4-FFF2-40B4-BE49-F238E27FC236}">
-                <a16:creationId xmlns:a16="http://schemas.microsoft.com/office/drawing/2014/main" id="{E2BD8CD1-5B2E-B5AB-3005-110DE759E68C}"/>
+                <a16:creationId xmlns:a16="http://schemas.microsoft.com/office/drawing/2014/main" id="{4143E5AB-6BBF-2209-86CB-CE4D313B0CC0}"/>
               </a:ext>
             </a:extLst>
           </p:cNvPr>
@@ -1846,7 +1846,7 @@
           <p:cNvPr id="9" name="灯片编号占位符 8">
             <a:extLst>
               <a:ext uri="{FF2B5EF4-FFF2-40B4-BE49-F238E27FC236}">
-                <a16:creationId xmlns:a16="http://schemas.microsoft.com/office/drawing/2014/main" id="{A8DA8AF6-E21B-F3AE-D468-BF2A8FEA11B3}"/>
+                <a16:creationId xmlns:a16="http://schemas.microsoft.com/office/drawing/2014/main" id="{4C13ADD8-A69F-2CE4-A2BA-B61CFA29F768}"/>
               </a:ext>
             </a:extLst>
           </p:cNvPr>
@@ -1862,7 +1862,7 @@
           <a:bodyPr/>
           <a:lstStyle/>
           <a:p>
-            <a:fld id="{9262B536-C1D4-4FB5-B1A8-096C564B7ED9}" type="slidenum">
+            <a:fld id="{47CDBE77-1CC2-4B6C-9EC9-A925F5559ABD}" type="slidenum">
               <a:rPr lang="zh-CN" altLang="en-US" smtClean="0"/>
               <a:t>‹#›</a:t>
             </a:fld>
@@ -1873,7 +1873,7 @@
     </p:spTree>
     <p:extLst>
       <p:ext uri="{BB962C8B-B14F-4D97-AF65-F5344CB8AC3E}">
-        <p14:creationId xmlns:p14="http://schemas.microsoft.com/office/powerpoint/2010/main" val="159563395"/>
+        <p14:creationId xmlns:p14="http://schemas.microsoft.com/office/powerpoint/2010/main" val="2004967220"/>
       </p:ext>
     </p:extLst>
   </p:cSld>
@@ -1905,7 +1905,7 @@
           <p:cNvPr id="2" name="标题 1">
             <a:extLst>
               <a:ext uri="{FF2B5EF4-FFF2-40B4-BE49-F238E27FC236}">
-                <a16:creationId xmlns:a16="http://schemas.microsoft.com/office/drawing/2014/main" id="{A937BF2D-3F48-D9A8-43B5-37157E8E6D7C}"/>
+                <a16:creationId xmlns:a16="http://schemas.microsoft.com/office/drawing/2014/main" id="{1646482A-B96A-3D02-2BE5-35A13097CBDE}"/>
               </a:ext>
             </a:extLst>
           </p:cNvPr>
@@ -1933,7 +1933,7 @@
           <p:cNvPr id="3" name="日期占位符 2">
             <a:extLst>
               <a:ext uri="{FF2B5EF4-FFF2-40B4-BE49-F238E27FC236}">
-                <a16:creationId xmlns:a16="http://schemas.microsoft.com/office/drawing/2014/main" id="{FCC591CC-0351-8F1B-92BB-05EF9CB033C1}"/>
+                <a16:creationId xmlns:a16="http://schemas.microsoft.com/office/drawing/2014/main" id="{FE898288-E027-7EAB-3404-BB854C87F66B}"/>
               </a:ext>
             </a:extLst>
           </p:cNvPr>
@@ -1949,7 +1949,7 @@
           <a:bodyPr/>
           <a:lstStyle/>
           <a:p>
-            <a:fld id="{8BADB7EA-7F0F-48C3-8591-72DE03FA1D99}" type="datetimeFigureOut">
+            <a:fld id="{83B76777-44D6-4A57-B7F1-D4F173643C39}" type="datetimeFigureOut">
               <a:rPr lang="zh-CN" altLang="en-US" smtClean="0"/>
               <a:t>2024/3/10</a:t>
             </a:fld>
@@ -1962,7 +1962,7 @@
           <p:cNvPr id="4" name="页脚占位符 3">
             <a:extLst>
               <a:ext uri="{FF2B5EF4-FFF2-40B4-BE49-F238E27FC236}">
-                <a16:creationId xmlns:a16="http://schemas.microsoft.com/office/drawing/2014/main" id="{51E1019E-9156-1DD6-0067-C35FC45814CA}"/>
+                <a16:creationId xmlns:a16="http://schemas.microsoft.com/office/drawing/2014/main" id="{0F1BD027-7249-48F3-8BE0-D5FF9141102C}"/>
               </a:ext>
             </a:extLst>
           </p:cNvPr>
@@ -1987,7 +1987,7 @@
           <p:cNvPr id="5" name="灯片编号占位符 4">
             <a:extLst>
               <a:ext uri="{FF2B5EF4-FFF2-40B4-BE49-F238E27FC236}">
-                <a16:creationId xmlns:a16="http://schemas.microsoft.com/office/drawing/2014/main" id="{9BCFEF9A-0888-00A1-3EB6-3365FACF871F}"/>
+                <a16:creationId xmlns:a16="http://schemas.microsoft.com/office/drawing/2014/main" id="{6670F989-3DF8-ABB1-CF82-E6B84C540F0C}"/>
               </a:ext>
             </a:extLst>
           </p:cNvPr>
@@ -2003,7 +2003,7 @@
           <a:bodyPr/>
           <a:lstStyle/>
           <a:p>
-            <a:fld id="{9262B536-C1D4-4FB5-B1A8-096C564B7ED9}" type="slidenum">
+            <a:fld id="{47CDBE77-1CC2-4B6C-9EC9-A925F5559ABD}" type="slidenum">
               <a:rPr lang="zh-CN" altLang="en-US" smtClean="0"/>
               <a:t>‹#›</a:t>
             </a:fld>
@@ -2014,7 +2014,7 @@
     </p:spTree>
     <p:extLst>
       <p:ext uri="{BB962C8B-B14F-4D97-AF65-F5344CB8AC3E}">
-        <p14:creationId xmlns:p14="http://schemas.microsoft.com/office/powerpoint/2010/main" val="296787591"/>
+        <p14:creationId xmlns:p14="http://schemas.microsoft.com/office/powerpoint/2010/main" val="2892830128"/>
       </p:ext>
     </p:extLst>
   </p:cSld>
@@ -2046,7 +2046,7 @@
           <p:cNvPr id="2" name="日期占位符 1">
             <a:extLst>
               <a:ext uri="{FF2B5EF4-FFF2-40B4-BE49-F238E27FC236}">
-                <a16:creationId xmlns:a16="http://schemas.microsoft.com/office/drawing/2014/main" id="{83EF8A51-F3B8-DDE5-D9DD-823D74C4F241}"/>
+                <a16:creationId xmlns:a16="http://schemas.microsoft.com/office/drawing/2014/main" id="{4DA0BF90-E49D-E0B3-7B59-667287B80464}"/>
               </a:ext>
             </a:extLst>
           </p:cNvPr>
@@ -2062,7 +2062,7 @@
           <a:bodyPr/>
           <a:lstStyle/>
           <a:p>
-            <a:fld id="{8BADB7EA-7F0F-48C3-8591-72DE03FA1D99}" type="datetimeFigureOut">
+            <a:fld id="{83B76777-44D6-4A57-B7F1-D4F173643C39}" type="datetimeFigureOut">
               <a:rPr lang="zh-CN" altLang="en-US" smtClean="0"/>
               <a:t>2024/3/10</a:t>
             </a:fld>
@@ -2075,7 +2075,7 @@
           <p:cNvPr id="3" name="页脚占位符 2">
             <a:extLst>
               <a:ext uri="{FF2B5EF4-FFF2-40B4-BE49-F238E27FC236}">
-                <a16:creationId xmlns:a16="http://schemas.microsoft.com/office/drawing/2014/main" id="{BB62CB90-95C8-6851-5C14-26B6887148F4}"/>
+                <a16:creationId xmlns:a16="http://schemas.microsoft.com/office/drawing/2014/main" id="{06498886-5903-0059-CF2D-F46AB368B767}"/>
               </a:ext>
             </a:extLst>
           </p:cNvPr>
@@ -2100,7 +2100,7 @@
           <p:cNvPr id="4" name="灯片编号占位符 3">
             <a:extLst>
               <a:ext uri="{FF2B5EF4-FFF2-40B4-BE49-F238E27FC236}">
-                <a16:creationId xmlns:a16="http://schemas.microsoft.com/office/drawing/2014/main" id="{BD4DCC66-1279-57C3-754C-36D72DD00033}"/>
+                <a16:creationId xmlns:a16="http://schemas.microsoft.com/office/drawing/2014/main" id="{1F41440E-1B28-13D0-E324-FE852AE48346}"/>
               </a:ext>
             </a:extLst>
           </p:cNvPr>
@@ -2116,7 +2116,7 @@
           <a:bodyPr/>
           <a:lstStyle/>
           <a:p>
-            <a:fld id="{9262B536-C1D4-4FB5-B1A8-096C564B7ED9}" type="slidenum">
+            <a:fld id="{47CDBE77-1CC2-4B6C-9EC9-A925F5559ABD}" type="slidenum">
               <a:rPr lang="zh-CN" altLang="en-US" smtClean="0"/>
               <a:t>‹#›</a:t>
             </a:fld>
@@ -2127,7 +2127,7 @@
     </p:spTree>
     <p:extLst>
       <p:ext uri="{BB962C8B-B14F-4D97-AF65-F5344CB8AC3E}">
-        <p14:creationId xmlns:p14="http://schemas.microsoft.com/office/powerpoint/2010/main" val="1053107531"/>
+        <p14:creationId xmlns:p14="http://schemas.microsoft.com/office/powerpoint/2010/main" val="2083485901"/>
       </p:ext>
     </p:extLst>
   </p:cSld>
@@ -2159,7 +2159,7 @@
           <p:cNvPr id="2" name="标题 1">
             <a:extLst>
               <a:ext uri="{FF2B5EF4-FFF2-40B4-BE49-F238E27FC236}">
-                <a16:creationId xmlns:a16="http://schemas.microsoft.com/office/drawing/2014/main" id="{9647E121-5B92-F95E-5070-9890FC3782F7}"/>
+                <a16:creationId xmlns:a16="http://schemas.microsoft.com/office/drawing/2014/main" id="{BA30F960-750C-49E6-ACA7-2B05E363512A}"/>
               </a:ext>
             </a:extLst>
           </p:cNvPr>
@@ -2196,7 +2196,7 @@
           <p:cNvPr id="3" name="内容占位符 2">
             <a:extLst>
               <a:ext uri="{FF2B5EF4-FFF2-40B4-BE49-F238E27FC236}">
-                <a16:creationId xmlns:a16="http://schemas.microsoft.com/office/drawing/2014/main" id="{4F28C4EF-9CFF-BC13-D901-3A2AF0055BCE}"/>
+                <a16:creationId xmlns:a16="http://schemas.microsoft.com/office/drawing/2014/main" id="{7AE369F1-C7FA-5FA7-747C-051618AC2D9C}"/>
               </a:ext>
             </a:extLst>
           </p:cNvPr>
@@ -2286,7 +2286,7 @@
           <p:cNvPr id="4" name="文本占位符 3">
             <a:extLst>
               <a:ext uri="{FF2B5EF4-FFF2-40B4-BE49-F238E27FC236}">
-                <a16:creationId xmlns:a16="http://schemas.microsoft.com/office/drawing/2014/main" id="{9A260654-857E-0173-8067-411C3FF59F90}"/>
+                <a16:creationId xmlns:a16="http://schemas.microsoft.com/office/drawing/2014/main" id="{4C0E9A58-AC00-0E7D-7ABB-C7AA2DAF6DC7}"/>
               </a:ext>
             </a:extLst>
           </p:cNvPr>
@@ -2357,7 +2357,7 @@
           <p:cNvPr id="5" name="日期占位符 4">
             <a:extLst>
               <a:ext uri="{FF2B5EF4-FFF2-40B4-BE49-F238E27FC236}">
-                <a16:creationId xmlns:a16="http://schemas.microsoft.com/office/drawing/2014/main" id="{FCAFD858-8CF8-AF42-053D-402247CA7E4D}"/>
+                <a16:creationId xmlns:a16="http://schemas.microsoft.com/office/drawing/2014/main" id="{BDEC91C8-9805-732A-899F-52DF83A3CE47}"/>
               </a:ext>
             </a:extLst>
           </p:cNvPr>
@@ -2373,7 +2373,7 @@
           <a:bodyPr/>
           <a:lstStyle/>
           <a:p>
-            <a:fld id="{8BADB7EA-7F0F-48C3-8591-72DE03FA1D99}" type="datetimeFigureOut">
+            <a:fld id="{83B76777-44D6-4A57-B7F1-D4F173643C39}" type="datetimeFigureOut">
               <a:rPr lang="zh-CN" altLang="en-US" smtClean="0"/>
               <a:t>2024/3/10</a:t>
             </a:fld>
@@ -2386,7 +2386,7 @@
           <p:cNvPr id="6" name="页脚占位符 5">
             <a:extLst>
               <a:ext uri="{FF2B5EF4-FFF2-40B4-BE49-F238E27FC236}">
-                <a16:creationId xmlns:a16="http://schemas.microsoft.com/office/drawing/2014/main" id="{CACBB65A-79D8-561E-230E-56FB058D57A5}"/>
+                <a16:creationId xmlns:a16="http://schemas.microsoft.com/office/drawing/2014/main" id="{6BB14EAE-A14C-EF15-4E7C-C1AF9F5A3803}"/>
               </a:ext>
             </a:extLst>
           </p:cNvPr>
@@ -2411,7 +2411,7 @@
           <p:cNvPr id="7" name="灯片编号占位符 6">
             <a:extLst>
               <a:ext uri="{FF2B5EF4-FFF2-40B4-BE49-F238E27FC236}">
-                <a16:creationId xmlns:a16="http://schemas.microsoft.com/office/drawing/2014/main" id="{2AF6E01E-06B2-FEF0-BD3F-10700D535A23}"/>
+                <a16:creationId xmlns:a16="http://schemas.microsoft.com/office/drawing/2014/main" id="{0E82F338-D3EC-B7F1-5219-985E10C4996D}"/>
               </a:ext>
             </a:extLst>
           </p:cNvPr>
@@ -2427,7 +2427,7 @@
           <a:bodyPr/>
           <a:lstStyle/>
           <a:p>
-            <a:fld id="{9262B536-C1D4-4FB5-B1A8-096C564B7ED9}" type="slidenum">
+            <a:fld id="{47CDBE77-1CC2-4B6C-9EC9-A925F5559ABD}" type="slidenum">
               <a:rPr lang="zh-CN" altLang="en-US" smtClean="0"/>
               <a:t>‹#›</a:t>
             </a:fld>
@@ -2438,7 +2438,7 @@
     </p:spTree>
     <p:extLst>
       <p:ext uri="{BB962C8B-B14F-4D97-AF65-F5344CB8AC3E}">
-        <p14:creationId xmlns:p14="http://schemas.microsoft.com/office/powerpoint/2010/main" val="822739962"/>
+        <p14:creationId xmlns:p14="http://schemas.microsoft.com/office/powerpoint/2010/main" val="2976535460"/>
       </p:ext>
     </p:extLst>
   </p:cSld>
@@ -2470,7 +2470,7 @@
           <p:cNvPr id="2" name="标题 1">
             <a:extLst>
               <a:ext uri="{FF2B5EF4-FFF2-40B4-BE49-F238E27FC236}">
-                <a16:creationId xmlns:a16="http://schemas.microsoft.com/office/drawing/2014/main" id="{7E64F5DB-9F5D-96BD-74FB-0E1B9232D8A0}"/>
+                <a16:creationId xmlns:a16="http://schemas.microsoft.com/office/drawing/2014/main" id="{9AAEB94B-F517-BF64-68AF-DE438339A869}"/>
               </a:ext>
             </a:extLst>
           </p:cNvPr>
@@ -2507,7 +2507,7 @@
           <p:cNvPr id="3" name="图片占位符 2">
             <a:extLst>
               <a:ext uri="{FF2B5EF4-FFF2-40B4-BE49-F238E27FC236}">
-                <a16:creationId xmlns:a16="http://schemas.microsoft.com/office/drawing/2014/main" id="{1D6C87AA-3E23-AB22-1316-0A89C512672B}"/>
+                <a16:creationId xmlns:a16="http://schemas.microsoft.com/office/drawing/2014/main" id="{2D58DDA9-0326-7139-6969-245A3DC89996}"/>
               </a:ext>
             </a:extLst>
           </p:cNvPr>
@@ -2574,7 +2574,7 @@
           <p:cNvPr id="4" name="文本占位符 3">
             <a:extLst>
               <a:ext uri="{FF2B5EF4-FFF2-40B4-BE49-F238E27FC236}">
-                <a16:creationId xmlns:a16="http://schemas.microsoft.com/office/drawing/2014/main" id="{A8A91B8E-ED01-D242-6F22-234C09D2F5A1}"/>
+                <a16:creationId xmlns:a16="http://schemas.microsoft.com/office/drawing/2014/main" id="{24C33F74-E437-BD89-87AD-4070ED7808FD}"/>
               </a:ext>
             </a:extLst>
           </p:cNvPr>
@@ -2645,7 +2645,7 @@
           <p:cNvPr id="5" name="日期占位符 4">
             <a:extLst>
               <a:ext uri="{FF2B5EF4-FFF2-40B4-BE49-F238E27FC236}">
-                <a16:creationId xmlns:a16="http://schemas.microsoft.com/office/drawing/2014/main" id="{5BF5D801-43F4-5029-5867-0E65ECE182BE}"/>
+                <a16:creationId xmlns:a16="http://schemas.microsoft.com/office/drawing/2014/main" id="{50285375-6AE7-8577-5ECE-DD27A2C1FB6E}"/>
               </a:ext>
             </a:extLst>
           </p:cNvPr>
@@ -2661,7 +2661,7 @@
           <a:bodyPr/>
           <a:lstStyle/>
           <a:p>
-            <a:fld id="{8BADB7EA-7F0F-48C3-8591-72DE03FA1D99}" type="datetimeFigureOut">
+            <a:fld id="{83B76777-44D6-4A57-B7F1-D4F173643C39}" type="datetimeFigureOut">
               <a:rPr lang="zh-CN" altLang="en-US" smtClean="0"/>
               <a:t>2024/3/10</a:t>
             </a:fld>
@@ -2674,7 +2674,7 @@
           <p:cNvPr id="6" name="页脚占位符 5">
             <a:extLst>
               <a:ext uri="{FF2B5EF4-FFF2-40B4-BE49-F238E27FC236}">
-                <a16:creationId xmlns:a16="http://schemas.microsoft.com/office/drawing/2014/main" id="{F6733B89-C523-515B-ABD5-F02A0616D540}"/>
+                <a16:creationId xmlns:a16="http://schemas.microsoft.com/office/drawing/2014/main" id="{AE042169-47B2-7105-87AB-37F8EC717FC9}"/>
               </a:ext>
             </a:extLst>
           </p:cNvPr>
@@ -2699,7 +2699,7 @@
           <p:cNvPr id="7" name="灯片编号占位符 6">
             <a:extLst>
               <a:ext uri="{FF2B5EF4-FFF2-40B4-BE49-F238E27FC236}">
-                <a16:creationId xmlns:a16="http://schemas.microsoft.com/office/drawing/2014/main" id="{B488AEFB-9F78-D3BF-FAF4-71053D6EDAC5}"/>
+                <a16:creationId xmlns:a16="http://schemas.microsoft.com/office/drawing/2014/main" id="{CCD61B95-E7D0-415B-E1D5-2057FCB30A79}"/>
               </a:ext>
             </a:extLst>
           </p:cNvPr>
@@ -2715,7 +2715,7 @@
           <a:bodyPr/>
           <a:lstStyle/>
           <a:p>
-            <a:fld id="{9262B536-C1D4-4FB5-B1A8-096C564B7ED9}" type="slidenum">
+            <a:fld id="{47CDBE77-1CC2-4B6C-9EC9-A925F5559ABD}" type="slidenum">
               <a:rPr lang="zh-CN" altLang="en-US" smtClean="0"/>
               <a:t>‹#›</a:t>
             </a:fld>
@@ -2726,7 +2726,7 @@
     </p:spTree>
     <p:extLst>
       <p:ext uri="{BB962C8B-B14F-4D97-AF65-F5344CB8AC3E}">
-        <p14:creationId xmlns:p14="http://schemas.microsoft.com/office/powerpoint/2010/main" val="1259972607"/>
+        <p14:creationId xmlns:p14="http://schemas.microsoft.com/office/powerpoint/2010/main" val="1832127803"/>
       </p:ext>
     </p:extLst>
   </p:cSld>
@@ -2763,7 +2763,7 @@
           <p:cNvPr id="2" name="标题占位符 1">
             <a:extLst>
               <a:ext uri="{FF2B5EF4-FFF2-40B4-BE49-F238E27FC236}">
-                <a16:creationId xmlns:a16="http://schemas.microsoft.com/office/drawing/2014/main" id="{F18E291A-5EF4-66CC-DFBE-683DB30019FF}"/>
+                <a16:creationId xmlns:a16="http://schemas.microsoft.com/office/drawing/2014/main" id="{452CAA69-16C3-3A05-4CD8-5F7E4297AC4D}"/>
               </a:ext>
             </a:extLst>
           </p:cNvPr>
@@ -2801,7 +2801,7 @@
           <p:cNvPr id="3" name="文本占位符 2">
             <a:extLst>
               <a:ext uri="{FF2B5EF4-FFF2-40B4-BE49-F238E27FC236}">
-                <a16:creationId xmlns:a16="http://schemas.microsoft.com/office/drawing/2014/main" id="{9F9FF95F-0DC4-6D26-91A4-0E907B91060A}"/>
+                <a16:creationId xmlns:a16="http://schemas.microsoft.com/office/drawing/2014/main" id="{0FFA995D-BA04-5C0E-13AB-E071EE8DC8BE}"/>
               </a:ext>
             </a:extLst>
           </p:cNvPr>
@@ -2868,7 +2868,7 @@
           <p:cNvPr id="4" name="日期占位符 3">
             <a:extLst>
               <a:ext uri="{FF2B5EF4-FFF2-40B4-BE49-F238E27FC236}">
-                <a16:creationId xmlns:a16="http://schemas.microsoft.com/office/drawing/2014/main" id="{1100049C-EF86-2A51-2909-CBEDE5913643}"/>
+                <a16:creationId xmlns:a16="http://schemas.microsoft.com/office/drawing/2014/main" id="{B56D2779-FBAF-A33B-EB58-313909D62620}"/>
               </a:ext>
             </a:extLst>
           </p:cNvPr>
@@ -2902,7 +2902,7 @@
             </a:lvl1pPr>
           </a:lstStyle>
           <a:p>
-            <a:fld id="{8BADB7EA-7F0F-48C3-8591-72DE03FA1D99}" type="datetimeFigureOut">
+            <a:fld id="{83B76777-44D6-4A57-B7F1-D4F173643C39}" type="datetimeFigureOut">
               <a:rPr lang="zh-CN" altLang="en-US" smtClean="0"/>
               <a:t>2024/3/10</a:t>
             </a:fld>
@@ -2915,7 +2915,7 @@
           <p:cNvPr id="5" name="页脚占位符 4">
             <a:extLst>
               <a:ext uri="{FF2B5EF4-FFF2-40B4-BE49-F238E27FC236}">
-                <a16:creationId xmlns:a16="http://schemas.microsoft.com/office/drawing/2014/main" id="{12D71D1E-9BA4-752F-4902-1F62888C5696}"/>
+                <a16:creationId xmlns:a16="http://schemas.microsoft.com/office/drawing/2014/main" id="{C1FF9EBB-D9FB-FEBF-D4C1-BA43886E94F6}"/>
               </a:ext>
             </a:extLst>
           </p:cNvPr>
@@ -2958,7 +2958,7 @@
           <p:cNvPr id="6" name="灯片编号占位符 5">
             <a:extLst>
               <a:ext uri="{FF2B5EF4-FFF2-40B4-BE49-F238E27FC236}">
-                <a16:creationId xmlns:a16="http://schemas.microsoft.com/office/drawing/2014/main" id="{5448B9C9-A3A8-30D4-C0FB-C63F3CBB3D67}"/>
+                <a16:creationId xmlns:a16="http://schemas.microsoft.com/office/drawing/2014/main" id="{96C6EB86-6618-4576-F88F-52BE32F0E0F0}"/>
               </a:ext>
             </a:extLst>
           </p:cNvPr>
@@ -2992,7 +2992,7 @@
             </a:lvl1pPr>
           </a:lstStyle>
           <a:p>
-            <a:fld id="{9262B536-C1D4-4FB5-B1A8-096C564B7ED9}" type="slidenum">
+            <a:fld id="{47CDBE77-1CC2-4B6C-9EC9-A925F5559ABD}" type="slidenum">
               <a:rPr lang="zh-CN" altLang="en-US" smtClean="0"/>
               <a:t>‹#›</a:t>
             </a:fld>
@@ -3003,7 +3003,7 @@
     </p:spTree>
     <p:extLst>
       <p:ext uri="{BB962C8B-B14F-4D97-AF65-F5344CB8AC3E}">
-        <p14:creationId xmlns:p14="http://schemas.microsoft.com/office/powerpoint/2010/main" val="2382678634"/>
+        <p14:creationId xmlns:p14="http://schemas.microsoft.com/office/powerpoint/2010/main" val="1606252726"/>
       </p:ext>
     </p:extLst>
   </p:cSld>
